--- a/정부지원사업/환경창업대전 5.14/data/자사 VISION.pptx
+++ b/정부지원사업/환경창업대전 5.14/data/자사 VISION.pptx
@@ -2,7 +2,7 @@
 <file path=ppt/presentation.xml><?xml version="1.0" encoding="utf-8"?>
 <p:presentation xmlns:a="http://schemas.openxmlformats.org/drawingml/2006/main" xmlns:r="http://schemas.openxmlformats.org/officeDocument/2006/relationships" xmlns:p="http://schemas.openxmlformats.org/presentationml/2006/main" xmlns:p14="http://schemas.microsoft.com/office/powerpoint/2010/main" saveSubsetFonts="1">
   <p:sldMasterIdLst>
-    <p:sldMasterId id="2147483667" r:id="rId13"/>
+    <p:sldMasterId id="2147483669" r:id="rId13"/>
   </p:sldMasterIdLst>
   <p:notesMasterIdLst>
     <p:notesMasterId r:id="rId17"/>
@@ -3584,8 +3584,8 @@
         </p:nvSpPr>
         <p:spPr>
           <a:xfrm rot="0">
-            <a:off x="3630295" y="1163955"/>
-            <a:ext cx="5482590" cy="523240"/>
+            <a:off x="3635375" y="1179195"/>
+            <a:ext cx="5483225" cy="523875"/>
           </a:xfrm>
           <a:prstGeom prst="parallelogram"/>
           <a:gradFill rotWithShape="1">
@@ -3634,12 +3634,15 @@
           </a:fontRef>
         </p:style>
         <p:txBody>
-          <a:bodyPr wrap="square" lIns="91440" tIns="45720" rIns="91440" bIns="45720" vert="horz" anchor="ctr">
+          <a:bodyPr wrap="square" lIns="91440" tIns="45720" rIns="91440" bIns="45720" numCol="1" vert="horz" anchor="ctr">
             <a:noAutofit/>
           </a:bodyPr>
           <a:lstStyle/>
           <a:p>
-            <a:pPr marL="0" indent="0" algn="ctr" hangingPunct="1"/>
+            <a:pPr marL="0" indent="0" algn="ctr" latinLnBrk="0" hangingPunct="1">
+              <a:buFontTx/>
+              <a:buNone/>
+            </a:pPr>
             <a:r>
               <a:rPr lang="ko-KR" sz="1800">
                 <a:latin typeface="맑은 고딕" charset="0"/>
@@ -3665,7 +3668,7 @@
         <p:spPr>
           <a:xfrm rot="0">
             <a:off x="3188335" y="598805"/>
-            <a:ext cx="5796280" cy="1100455"/>
+            <a:ext cx="5796915" cy="1101090"/>
           </a:xfrm>
           <a:prstGeom prst="rect"/>
           <a:solidFill>
@@ -3674,6 +3677,10 @@
               <a:lumOff val="35000"/>
             </a:schemeClr>
           </a:solidFill>
+          <a:ln w="0">
+            <a:noFill/>
+            <a:prstDash/>
+          </a:ln>
         </p:spPr>
         <p:style>
           <a:lnRef idx="2">
@@ -3692,12 +3699,15 @@
           </a:fontRef>
         </p:style>
         <p:txBody>
-          <a:bodyPr wrap="square" lIns="91440" tIns="45720" rIns="91440" bIns="45720" vert="horz" anchor="ctr">
+          <a:bodyPr wrap="square" lIns="91440" tIns="45720" rIns="91440" bIns="45720" numCol="1" vert="horz" anchor="ctr">
             <a:noAutofit/>
           </a:bodyPr>
           <a:lstStyle/>
           <a:p>
-            <a:pPr marL="0" indent="0" algn="ctr" hangingPunct="1"/>
+            <a:pPr marL="0" indent="0" algn="ctr" latinLnBrk="0" hangingPunct="1">
+              <a:buFontTx/>
+              <a:buNone/>
+            </a:pPr>
             <a:r>
               <a:rPr lang="ko-KR" sz="2600" b="1">
                 <a:latin typeface="배달의민족 한나는 열한살" charset="0"/>
@@ -4599,26 +4609,25 @@
         <p:spPr>
           <a:xfrm rot="0">
             <a:off x="3312795" y="4162425"/>
-            <a:ext cx="476885" cy="400685"/>
+            <a:ext cx="477520" cy="401320"/>
           </a:xfrm>
           <a:prstGeom prst="rect"/>
           <a:noFill/>
-          <a:ln w="0" cap="flat" cmpd="sng">
-            <a:solidFill>
-              <a:srgbClr val="FFFFFF">
-                <a:alpha val="100000"/>
-              </a:srgbClr>
-            </a:solidFill>
+          <a:ln w="0">
+            <a:noFill/>
             <a:prstDash/>
           </a:ln>
         </p:spPr>
         <p:txBody>
-          <a:bodyPr wrap="square" lIns="89535" tIns="46355" rIns="89535" bIns="46355" vert="horz" anchor="t">
+          <a:bodyPr wrap="square" lIns="89535" tIns="46355" rIns="89535" bIns="46355" numCol="1" vert="horz" anchor="t">
             <a:spAutoFit/>
           </a:bodyPr>
           <a:lstStyle/>
           <a:p>
-            <a:pPr marL="0" indent="0" algn="l" hangingPunct="1"/>
+            <a:pPr marL="0" indent="0" algn="l" latinLnBrk="0" hangingPunct="1">
+              <a:buFontTx/>
+              <a:buNone/>
+            </a:pPr>
             <a:r>
               <a:rPr lang="ko-KR" sz="2000" b="1">
                 <a:solidFill>
@@ -4702,26 +4711,25 @@
         <p:spPr>
           <a:xfrm rot="0">
             <a:off x="3318510" y="5098415"/>
-            <a:ext cx="476885" cy="400685"/>
+            <a:ext cx="477520" cy="401320"/>
           </a:xfrm>
           <a:prstGeom prst="rect"/>
           <a:noFill/>
-          <a:ln w="0" cap="flat" cmpd="sng">
-            <a:solidFill>
-              <a:srgbClr val="FFFFFF">
-                <a:alpha val="100000"/>
-              </a:srgbClr>
-            </a:solidFill>
+          <a:ln w="0">
+            <a:noFill/>
             <a:prstDash/>
           </a:ln>
         </p:spPr>
         <p:txBody>
-          <a:bodyPr wrap="square" lIns="89535" tIns="46355" rIns="89535" bIns="46355" vert="horz" anchor="t">
+          <a:bodyPr wrap="square" lIns="89535" tIns="46355" rIns="89535" bIns="46355" numCol="1" vert="horz" anchor="t">
             <a:spAutoFit/>
           </a:bodyPr>
           <a:lstStyle/>
           <a:p>
-            <a:pPr marL="0" indent="0" algn="l" hangingPunct="1"/>
+            <a:pPr marL="0" indent="0" algn="l" latinLnBrk="0" hangingPunct="1">
+              <a:buFontTx/>
+              <a:buNone/>
+            </a:pPr>
             <a:r>
               <a:rPr lang="ko-KR" sz="2000" b="1">
                 <a:solidFill>
